--- a/training-cards/emotional erwachsen/Perception (PER)/ger/apprentice/ger_PER_07_Ich_bin_dann_mal_weg_EE_A.pptx
+++ b/training-cards/emotional erwachsen/Perception (PER)/ger/apprentice/ger_PER_07_Ich_bin_dann_mal_weg_EE_A.pptx
@@ -108,6 +108,22 @@
       </a:defRPr>
     </a:lvl9pPr>
   </p:defaultTextStyle>
+  <p:extLst>
+    <p:ext uri="{EFAFB233-063F-42B5-8137-9DF3F51BA10A}">
+      <p15:sldGuideLst xmlns:p15="http://schemas.microsoft.com/office/powerpoint/2012/main">
+        <p15:guide id="1" orient="horz" pos="872">
+          <p15:clr>
+            <a:srgbClr val="A4A3A4"/>
+          </p15:clr>
+        </p15:guide>
+        <p15:guide id="2" pos="718">
+          <p15:clr>
+            <a:srgbClr val="A4A3A4"/>
+          </p15:clr>
+        </p15:guide>
+      </p15:sldGuideLst>
+    </p:ext>
+  </p:extLst>
 </p:presentation>
 </file>
 
@@ -193,7 +209,7 @@
           <a:p>
             <a:fld id="{6E077CBB-2DF5-4D45-BDDD-22DB2684D07E}" type="datetimeFigureOut">
               <a:rPr lang="de-DE" smtClean="0"/>
-              <a:t>29.05.15</a:t>
+              <a:t>04.11.15</a:t>
             </a:fld>
             <a:endParaRPr lang="de-DE"/>
           </a:p>
@@ -895,6 +911,162 @@
           </a:p>
         </p:txBody>
       </p:sp>
+      <p:sp>
+        <p:nvSpPr>
+          <p:cNvPr id="4" name="Textfeld 3"/>
+          <p:cNvSpPr txBox="1"/>
+          <p:nvPr userDrawn="1"/>
+        </p:nvSpPr>
+        <p:spPr>
+          <a:xfrm>
+            <a:off x="239285" y="4936890"/>
+            <a:ext cx="1044856" cy="276999"/>
+          </a:xfrm>
+          <a:prstGeom prst="rect">
+            <a:avLst/>
+          </a:prstGeom>
+          <a:noFill/>
+        </p:spPr>
+        <p:txBody>
+          <a:bodyPr wrap="square" rtlCol="0">
+            <a:spAutoFit/>
+          </a:bodyPr>
+          <a:lstStyle/>
+          <a:p>
+            <a:r>
+              <a:rPr lang="de-DE" sz="600" dirty="0">
+                <a:solidFill>
+                  <a:srgbClr val="5D5E5F"/>
+                </a:solidFill>
+                <a:latin typeface="Avenir Light"/>
+                <a:cs typeface="Avenir Light"/>
+              </a:rPr>
+              <a:t>Letzte Änderung: </a:t>
+            </a:r>
+            <a:fld id="{7A8C7DAC-E536-564C-B5B3-90E8FAB50562}" type="datetime1">
+              <a:rPr lang="de-DE" sz="600" smtClean="0">
+                <a:solidFill>
+                  <a:srgbClr val="5D5E5F"/>
+                </a:solidFill>
+                <a:latin typeface="Avenir Light"/>
+                <a:cs typeface="Avenir Light"/>
+              </a:rPr>
+              <a:t>04.11.15</a:t>
+            </a:fld>
+            <a:endParaRPr lang="de-DE" sz="600" dirty="0">
+              <a:solidFill>
+                <a:srgbClr val="5D5E5F"/>
+              </a:solidFill>
+              <a:latin typeface="Avenir Light"/>
+              <a:cs typeface="Avenir Light"/>
+            </a:endParaRPr>
+          </a:p>
+        </p:txBody>
+      </p:sp>
+      <p:sp>
+        <p:nvSpPr>
+          <p:cNvPr id="5" name="Shape 7"/>
+          <p:cNvSpPr/>
+          <p:nvPr userDrawn="1"/>
+        </p:nvSpPr>
+        <p:spPr>
+          <a:xfrm>
+            <a:off x="1683417" y="4952581"/>
+            <a:ext cx="4196016" cy="276995"/>
+          </a:xfrm>
+          <a:prstGeom prst="rect">
+            <a:avLst/>
+          </a:prstGeom>
+          <a:ln w="12700">
+            <a:miter lim="400000"/>
+          </a:ln>
+          <a:extLst>
+            <a:ext uri="{C572A759-6A51-4108-AA02-DFA0A04FC94B}">
+              <ma14:wrappingTextBoxFlag xmlns:ma14="http://schemas.microsoft.com/office/mac/drawingml/2011/main" val="1"/>
+            </a:ext>
+          </a:extLst>
+        </p:spPr>
+        <p:txBody>
+          <a:bodyPr wrap="none" lIns="45718" tIns="45718" rIns="45718" bIns="45718">
+            <a:spAutoFit/>
+          </a:bodyPr>
+          <a:lstStyle/>
+          <a:p>
+            <a:pPr lvl="0" algn="ctr">
+              <a:defRPr sz="1800"/>
+            </a:pPr>
+            <a:r>
+              <a:rPr sz="600" dirty="0">
+                <a:latin typeface="Avenir Light"/>
+                <a:ea typeface="Calibri"/>
+                <a:cs typeface="Avenir Light"/>
+                <a:sym typeface="Calibri"/>
+              </a:rPr>
+              <a:t>This work is licensed under the Creative Commons Attribution-NonCommercial-NoDerivatives 4.0 International License. </a:t>
+            </a:r>
+          </a:p>
+          <a:p>
+            <a:pPr lvl="0" algn="ctr">
+              <a:defRPr sz="1800"/>
+            </a:pPr>
+            <a:r>
+              <a:rPr sz="600" dirty="0">
+                <a:latin typeface="Avenir Light"/>
+                <a:ea typeface="Calibri"/>
+                <a:cs typeface="Avenir Light"/>
+                <a:sym typeface="Calibri"/>
+              </a:rPr>
+              <a:t>To view a copy of this license, visit </a:t>
+            </a:r>
+            <a:r>
+              <a:rPr sz="600" dirty="0">
+                <a:latin typeface="Avenir Light"/>
+                <a:ea typeface="Calibri"/>
+                <a:cs typeface="Avenir Light"/>
+                <a:sym typeface="Calibri"/>
+                <a:hlinkClick r:id="rId2"/>
+              </a:rPr>
+              <a:t>http://creativecommons.org/licenses/by-nc-nd/4.0/</a:t>
+            </a:r>
+            <a:r>
+              <a:rPr sz="600" dirty="0">
+                <a:latin typeface="Avenir Light"/>
+                <a:ea typeface="Calibri"/>
+                <a:cs typeface="Avenir Light"/>
+                <a:sym typeface="Calibri"/>
+              </a:rPr>
+              <a:t>.</a:t>
+            </a:r>
+          </a:p>
+        </p:txBody>
+      </p:sp>
+      <p:pic>
+        <p:nvPicPr>
+          <p:cNvPr id="6" name="pasted-image.tif"/>
+          <p:cNvPicPr/>
+          <p:nvPr userDrawn="1"/>
+        </p:nvPicPr>
+        <p:blipFill>
+          <a:blip r:embed="rId3">
+            <a:extLst/>
+          </a:blip>
+          <a:stretch>
+            <a:fillRect/>
+          </a:stretch>
+        </p:blipFill>
+        <p:spPr>
+          <a:xfrm>
+            <a:off x="6174185" y="4992838"/>
+            <a:ext cx="886619" cy="214128"/>
+          </a:xfrm>
+          <a:prstGeom prst="rect">
+            <a:avLst/>
+          </a:prstGeom>
+          <a:ln w="12700">
+            <a:miter lim="400000"/>
+          </a:ln>
+        </p:spPr>
+      </p:pic>
     </p:spTree>
     <p:extLst>
       <p:ext uri="{BB962C8B-B14F-4D97-AF65-F5344CB8AC3E}">
@@ -969,7 +1141,7 @@
           <a:p>
             <a:fld id="{FF5B2BAF-DF38-0A48-A798-0C06E514FD52}" type="datetimeFigureOut">
               <a:rPr lang="de-DE" smtClean="0"/>
-              <a:t>29.05.15</a:t>
+              <a:t>04.11.15</a:t>
             </a:fld>
             <a:endParaRPr lang="de-DE" dirty="0"/>
           </a:p>
@@ -1212,7 +1384,7 @@
           <a:p>
             <a:fld id="{FF5B2BAF-DF38-0A48-A798-0C06E514FD52}" type="datetimeFigureOut">
               <a:rPr lang="de-DE" smtClean="0"/>
-              <a:t>29.05.15</a:t>
+              <a:t>04.11.15</a:t>
             </a:fld>
             <a:endParaRPr lang="de-DE" dirty="0"/>
           </a:p>
@@ -2020,6 +2192,218 @@
           </a:p>
         </p:txBody>
       </p:sp>
+      <p:sp>
+        <p:nvSpPr>
+          <p:cNvPr id="6" name="Untertitel 2"/>
+          <p:cNvSpPr txBox="1">
+            <a:spLocks/>
+          </p:cNvSpPr>
+          <p:nvPr/>
+        </p:nvSpPr>
+        <p:spPr>
+          <a:xfrm>
+            <a:off x="1192733" y="1088690"/>
+            <a:ext cx="5293995" cy="467477"/>
+          </a:xfrm>
+          <a:prstGeom prst="rect">
+            <a:avLst/>
+          </a:prstGeom>
+        </p:spPr>
+        <p:txBody>
+          <a:bodyPr>
+            <a:normAutofit/>
+          </a:bodyPr>
+          <a:lstStyle>
+            <a:lvl1pPr marL="263525" indent="-263525" algn="l" defTabSz="403388" rtl="0" eaLnBrk="1" latinLnBrk="0" hangingPunct="1">
+              <a:lnSpc>
+                <a:spcPct val="150000"/>
+              </a:lnSpc>
+              <a:spcBef>
+                <a:spcPts val="0"/>
+              </a:spcBef>
+              <a:buClr>
+                <a:srgbClr val="229237"/>
+              </a:buClr>
+              <a:buSzPct val="250000"/>
+              <a:buFontTx/>
+              <a:buBlip>
+                <a:blip r:embed="rId2"/>
+              </a:buBlip>
+              <a:defRPr sz="1000" kern="1200">
+                <a:solidFill>
+                  <a:srgbClr val="5D5E5F"/>
+                </a:solidFill>
+                <a:latin typeface="Avenir Light"/>
+                <a:ea typeface="+mn-ea"/>
+                <a:cs typeface="Avenir Light"/>
+              </a:defRPr>
+            </a:lvl1pPr>
+            <a:lvl2pPr marL="630238" indent="-227013" algn="l" defTabSz="403388" rtl="0" eaLnBrk="1" latinLnBrk="0" hangingPunct="1">
+              <a:lnSpc>
+                <a:spcPct val="150000"/>
+              </a:lnSpc>
+              <a:spcBef>
+                <a:spcPts val="0"/>
+              </a:spcBef>
+              <a:buClr>
+                <a:srgbClr val="229237"/>
+              </a:buClr>
+              <a:buSzPct val="250000"/>
+              <a:buFontTx/>
+              <a:buBlip>
+                <a:blip r:embed="rId2"/>
+              </a:buBlip>
+              <a:defRPr sz="1000" kern="1200">
+                <a:solidFill>
+                  <a:srgbClr val="5D5E5F"/>
+                </a:solidFill>
+                <a:latin typeface="Avenir Light"/>
+                <a:ea typeface="+mn-ea"/>
+                <a:cs typeface="Avenir Light"/>
+              </a:defRPr>
+            </a:lvl2pPr>
+            <a:lvl3pPr marL="1008469" indent="-201694" algn="l" defTabSz="403388" rtl="0" eaLnBrk="1" latinLnBrk="0" hangingPunct="1">
+              <a:lnSpc>
+                <a:spcPct val="150000"/>
+              </a:lnSpc>
+              <a:spcBef>
+                <a:spcPts val="0"/>
+              </a:spcBef>
+              <a:buClr>
+                <a:srgbClr val="229237"/>
+              </a:buClr>
+              <a:buSzPct val="250000"/>
+              <a:buFontTx/>
+              <a:buBlip>
+                <a:blip r:embed="rId2"/>
+              </a:buBlip>
+              <a:defRPr sz="1000" kern="1200">
+                <a:solidFill>
+                  <a:srgbClr val="5D5E5F"/>
+                </a:solidFill>
+                <a:latin typeface="Avenir Light"/>
+                <a:ea typeface="+mn-ea"/>
+                <a:cs typeface="Avenir Light"/>
+              </a:defRPr>
+            </a:lvl3pPr>
+            <a:lvl4pPr marL="1411856" indent="-201694" algn="l" defTabSz="403388" rtl="0" eaLnBrk="1" latinLnBrk="0" hangingPunct="1">
+              <a:lnSpc>
+                <a:spcPct val="150000"/>
+              </a:lnSpc>
+              <a:spcBef>
+                <a:spcPts val="0"/>
+              </a:spcBef>
+              <a:buClr>
+                <a:srgbClr val="229237"/>
+              </a:buClr>
+              <a:buSzPct val="250000"/>
+              <a:buFontTx/>
+              <a:buBlip>
+                <a:blip r:embed="rId2"/>
+              </a:buBlip>
+              <a:defRPr sz="1000" kern="1200">
+                <a:solidFill>
+                  <a:srgbClr val="5D5E5F"/>
+                </a:solidFill>
+                <a:latin typeface="Avenir Light"/>
+                <a:ea typeface="+mn-ea"/>
+                <a:cs typeface="Avenir Light"/>
+              </a:defRPr>
+            </a:lvl4pPr>
+            <a:lvl5pPr marL="1815244" indent="-201694" algn="l" defTabSz="403388" rtl="0" eaLnBrk="1" latinLnBrk="0" hangingPunct="1">
+              <a:spcBef>
+                <a:spcPct val="20000"/>
+              </a:spcBef>
+              <a:buClr>
+                <a:srgbClr val="229237"/>
+              </a:buClr>
+              <a:buSzPct val="170000"/>
+              <a:buFontTx/>
+              <a:buBlip>
+                <a:blip r:embed="rId3"/>
+              </a:buBlip>
+              <a:defRPr sz="1000" kern="1200">
+                <a:solidFill>
+                  <a:srgbClr val="5D5E5F"/>
+                </a:solidFill>
+                <a:latin typeface="Avenir Light"/>
+                <a:ea typeface="+mn-ea"/>
+                <a:cs typeface="Avenir Light"/>
+              </a:defRPr>
+            </a:lvl5pPr>
+            <a:lvl6pPr marL="2218632" indent="-201694" algn="l" defTabSz="403388" rtl="0" eaLnBrk="1" latinLnBrk="0" hangingPunct="1">
+              <a:spcBef>
+                <a:spcPct val="20000"/>
+              </a:spcBef>
+              <a:buFont typeface="Arial"/>
+              <a:buChar char="•"/>
+              <a:defRPr sz="1800" kern="1200">
+                <a:solidFill>
+                  <a:schemeClr val="tx1"/>
+                </a:solidFill>
+                <a:latin typeface="+mn-lt"/>
+                <a:ea typeface="+mn-ea"/>
+                <a:cs typeface="+mn-cs"/>
+              </a:defRPr>
+            </a:lvl6pPr>
+            <a:lvl7pPr marL="2622019" indent="-201694" algn="l" defTabSz="403388" rtl="0" eaLnBrk="1" latinLnBrk="0" hangingPunct="1">
+              <a:spcBef>
+                <a:spcPct val="20000"/>
+              </a:spcBef>
+              <a:buFont typeface="Arial"/>
+              <a:buChar char="•"/>
+              <a:defRPr sz="1800" kern="1200">
+                <a:solidFill>
+                  <a:schemeClr val="tx1"/>
+                </a:solidFill>
+                <a:latin typeface="+mn-lt"/>
+                <a:ea typeface="+mn-ea"/>
+                <a:cs typeface="+mn-cs"/>
+              </a:defRPr>
+            </a:lvl7pPr>
+            <a:lvl8pPr marL="3025407" indent="-201694" algn="l" defTabSz="403388" rtl="0" eaLnBrk="1" latinLnBrk="0" hangingPunct="1">
+              <a:spcBef>
+                <a:spcPct val="20000"/>
+              </a:spcBef>
+              <a:buFont typeface="Arial"/>
+              <a:buChar char="•"/>
+              <a:defRPr sz="1800" kern="1200">
+                <a:solidFill>
+                  <a:schemeClr val="tx1"/>
+                </a:solidFill>
+                <a:latin typeface="+mn-lt"/>
+                <a:ea typeface="+mn-ea"/>
+                <a:cs typeface="+mn-cs"/>
+              </a:defRPr>
+            </a:lvl8pPr>
+            <a:lvl9pPr marL="3428794" indent="-201694" algn="l" defTabSz="403388" rtl="0" eaLnBrk="1" latinLnBrk="0" hangingPunct="1">
+              <a:spcBef>
+                <a:spcPct val="20000"/>
+              </a:spcBef>
+              <a:buFont typeface="Arial"/>
+              <a:buChar char="•"/>
+              <a:defRPr sz="1800" kern="1200">
+                <a:solidFill>
+                  <a:schemeClr val="tx1"/>
+                </a:solidFill>
+                <a:latin typeface="+mn-lt"/>
+                <a:ea typeface="+mn-ea"/>
+                <a:cs typeface="+mn-cs"/>
+              </a:defRPr>
+            </a:lvl9pPr>
+          </a:lstStyle>
+          <a:p>
+            <a:pPr marL="0" indent="0">
+              <a:buNone/>
+            </a:pPr>
+            <a:r>
+              <a:rPr lang="de-DE" cap="all" smtClean="0"/>
+              <a:t>Silke Kainzbauer</a:t>
+            </a:r>
+            <a:endParaRPr lang="de-DE" cap="all" dirty="0"/>
+          </a:p>
+        </p:txBody>
+      </p:sp>
     </p:spTree>
     <p:extLst>
       <p:ext uri="{BB962C8B-B14F-4D97-AF65-F5344CB8AC3E}">
@@ -2081,14 +2465,10 @@
             </a:r>
             <a:r>
               <a:rPr lang="de-DE" dirty="0"/>
-              <a:t>im Alltag nach, was Du alles machst, um Dich wegbeamen zu können. Viele Tätigkeiten (z.B. Lesen, Fernsehen, Handyspiele, aber auch andere Alltagstätigkeiten) können gut zum Wegbeamen benutzt werden. Wann benutzt Du sie, um </a:t>
-            </a:r>
-            <a:r>
-              <a:rPr lang="de-DE"/>
-              <a:t>innerlich </a:t>
-            </a:r>
-            <a:r>
-              <a:rPr lang="de-DE" smtClean="0"/>
+              <a:t>im Alltag nach, was Du alles machst, um Dich wegbeamen zu können. Viele Tätigkeiten (z.B. Lesen, Fernsehen, Handyspiele, aber auch andere Alltagstätigkeiten) können gut zum Wegbeamen benutzt werden. Wann benutzt Du sie, um innerlich </a:t>
+            </a:r>
+            <a:r>
+              <a:rPr lang="de-DE" dirty="0" smtClean="0"/>
               <a:t>weggehen </a:t>
             </a:r>
             <a:r>
@@ -2123,7 +2503,6 @@
               <a:rPr lang="de-DE" dirty="0"/>
               <a:t>in zwei Wochen an mindestens drei Tagen eine Strichliste, in der Du jedes Mal einen Strich machst, wenn Du innerlich weggehst. Schreibe dazu pro Tag mindestens 5 mal zu einer konkreten Situation auf, was der Anlass für Dein Wegbeamen ist und welche Methode Du zum Weggehen anwendest bzw. welche Tätigkeiten Du gerade dafür benutzt.</a:t>
             </a:r>
-            <a:endParaRPr lang="de-DE" dirty="0"/>
           </a:p>
         </p:txBody>
       </p:sp>
